--- a/01_operating_systems/01_operating_systems.pptx
+++ b/01_operating_systems/01_operating_systems.pptx
@@ -321,7 +321,7 @@
           <a:p>
             <a:fld id="{9E016143-E03C-4CFD-AFDC-14E5BDEA754C}" type="datetimeFigureOut">
               <a:rPr lang="en-US" dirty="0"/>
-              <a:t>9/19/2020</a:t>
+              <a:t>10/19/2020</a:t>
             </a:fld>
             <a:endParaRPr lang="en-US" dirty="0"/>
           </a:p>
@@ -550,7 +550,7 @@
           <a:p>
             <a:fld id="{C033E54A-A8CA-48C1-9504-691B58049D29}" type="datetimeFigureOut">
               <a:rPr lang="en-US" dirty="0"/>
-              <a:t>9/19/2020</a:t>
+              <a:t>10/19/2020</a:t>
             </a:fld>
             <a:endParaRPr lang="en-US" dirty="0"/>
           </a:p>
@@ -730,7 +730,7 @@
           <a:p>
             <a:fld id="{B5F6C806-BBF7-471C-9527-881CE2266695}" type="datetimeFigureOut">
               <a:rPr lang="en-US" dirty="0"/>
-              <a:t>9/19/2020</a:t>
+              <a:t>10/19/2020</a:t>
             </a:fld>
             <a:endParaRPr lang="en-US" dirty="0"/>
           </a:p>
@@ -965,7 +965,7 @@
           <a:p>
             <a:fld id="{78C94063-DF36-4330-A365-08DA1FA5B7D6}" type="datetimeFigureOut">
               <a:rPr lang="en-US" dirty="0"/>
-              <a:t>9/19/2020</a:t>
+              <a:t>10/19/2020</a:t>
             </a:fld>
             <a:endParaRPr lang="en-US" dirty="0"/>
           </a:p>
@@ -1235,7 +1235,7 @@
           <a:p>
             <a:fld id="{908A7C6C-0F39-4D70-8E8D-FE5B9C95FA73}" type="datetimeFigureOut">
               <a:rPr lang="en-US" dirty="0"/>
-              <a:t>9/19/2020</a:t>
+              <a:t>10/19/2020</a:t>
             </a:fld>
             <a:endParaRPr lang="en-US" dirty="0"/>
           </a:p>
@@ -1561,7 +1561,7 @@
           <a:p>
             <a:fld id="{DFCFA4AC-08CC-42CE-BD01-C191750A04EC}" type="datetimeFigureOut">
               <a:rPr lang="en-US" dirty="0"/>
-              <a:t>9/19/2020</a:t>
+              <a:t>10/19/2020</a:t>
             </a:fld>
             <a:endParaRPr lang="en-US" dirty="0"/>
           </a:p>
@@ -2012,7 +2012,7 @@
           <a:p>
             <a:fld id="{1BA7A723-92A7-435B-B681-F25B092FEFEB}" type="datetimeFigureOut">
               <a:rPr lang="en-US" dirty="0"/>
-              <a:t>9/19/2020</a:t>
+              <a:t>10/19/2020</a:t>
             </a:fld>
             <a:endParaRPr lang="en-US" dirty="0"/>
           </a:p>
@@ -2130,7 +2130,7 @@
           <a:p>
             <a:fld id="{4F170639-886C-4FCF-9EAB-ABB5DA3F3F4A}" type="datetimeFigureOut">
               <a:rPr lang="en-US" dirty="0"/>
-              <a:t>9/19/2020</a:t>
+              <a:t>10/19/2020</a:t>
             </a:fld>
             <a:endParaRPr lang="en-US" dirty="0"/>
           </a:p>
@@ -2225,7 +2225,7 @@
           <a:p>
             <a:fld id="{22230651-31F4-45D2-98AE-A2108F41BC07}" type="datetimeFigureOut">
               <a:rPr lang="en-US" dirty="0"/>
-              <a:t>9/19/2020</a:t>
+              <a:t>10/19/2020</a:t>
             </a:fld>
             <a:endParaRPr lang="en-US" dirty="0"/>
           </a:p>
@@ -2512,7 +2512,7 @@
           <a:p>
             <a:fld id="{6F53789A-C914-4DB1-8815-80B5EC7335C5}" type="datetimeFigureOut">
               <a:rPr lang="en-US" dirty="0"/>
-              <a:t>9/19/2020</a:t>
+              <a:t>10/19/2020</a:t>
             </a:fld>
             <a:endParaRPr lang="en-US" dirty="0"/>
           </a:p>
@@ -2834,7 +2834,7 @@
           <a:p>
             <a:fld id="{5E6440AA-91A0-436F-8FDB-C0F939DCAE21}" type="datetimeFigureOut">
               <a:rPr lang="en-US" dirty="0"/>
-              <a:t>9/19/2020</a:t>
+              <a:t>10/19/2020</a:t>
             </a:fld>
             <a:endParaRPr lang="en-US" dirty="0"/>
           </a:p>
@@ -3088,7 +3088,7 @@
           <a:p>
             <a:fld id="{0E59FD0C-5451-4CA0-86AF-E70AE3279989}" type="datetimeFigureOut">
               <a:rPr lang="en-US" dirty="0"/>
-              <a:t>9/19/2020</a:t>
+              <a:t>10/19/2020</a:t>
             </a:fld>
             <a:endParaRPr lang="en-US" dirty="0"/>
           </a:p>
@@ -11661,6 +11661,13 @@
             <a:pPr lvl="1"/>
             <a:r>
               <a:rPr lang="en-US" dirty="0"/>
+              <a:t>Linux</a:t>
+            </a:r>
+          </a:p>
+          <a:p>
+            <a:pPr lvl="1"/>
+            <a:r>
+              <a:rPr lang="en-US" dirty="0"/>
               <a:t>More…</a:t>
             </a:r>
           </a:p>

--- a/01_operating_systems/01_operating_systems.pptx
+++ b/01_operating_systems/01_operating_systems.pptx
@@ -321,7 +321,7 @@
           <a:p>
             <a:fld id="{9E016143-E03C-4CFD-AFDC-14E5BDEA754C}" type="datetimeFigureOut">
               <a:rPr lang="en-US" dirty="0"/>
-              <a:t>10/19/2020</a:t>
+              <a:t>10/18/2021</a:t>
             </a:fld>
             <a:endParaRPr lang="en-US" dirty="0"/>
           </a:p>
@@ -550,7 +550,7 @@
           <a:p>
             <a:fld id="{C033E54A-A8CA-48C1-9504-691B58049D29}" type="datetimeFigureOut">
               <a:rPr lang="en-US" dirty="0"/>
-              <a:t>10/19/2020</a:t>
+              <a:t>10/18/2021</a:t>
             </a:fld>
             <a:endParaRPr lang="en-US" dirty="0"/>
           </a:p>
@@ -730,7 +730,7 @@
           <a:p>
             <a:fld id="{B5F6C806-BBF7-471C-9527-881CE2266695}" type="datetimeFigureOut">
               <a:rPr lang="en-US" dirty="0"/>
-              <a:t>10/19/2020</a:t>
+              <a:t>10/18/2021</a:t>
             </a:fld>
             <a:endParaRPr lang="en-US" dirty="0"/>
           </a:p>
@@ -965,7 +965,7 @@
           <a:p>
             <a:fld id="{78C94063-DF36-4330-A365-08DA1FA5B7D6}" type="datetimeFigureOut">
               <a:rPr lang="en-US" dirty="0"/>
-              <a:t>10/19/2020</a:t>
+              <a:t>10/18/2021</a:t>
             </a:fld>
             <a:endParaRPr lang="en-US" dirty="0"/>
           </a:p>
@@ -1235,7 +1235,7 @@
           <a:p>
             <a:fld id="{908A7C6C-0F39-4D70-8E8D-FE5B9C95FA73}" type="datetimeFigureOut">
               <a:rPr lang="en-US" dirty="0"/>
-              <a:t>10/19/2020</a:t>
+              <a:t>10/18/2021</a:t>
             </a:fld>
             <a:endParaRPr lang="en-US" dirty="0"/>
           </a:p>
@@ -1561,7 +1561,7 @@
           <a:p>
             <a:fld id="{DFCFA4AC-08CC-42CE-BD01-C191750A04EC}" type="datetimeFigureOut">
               <a:rPr lang="en-US" dirty="0"/>
-              <a:t>10/19/2020</a:t>
+              <a:t>10/18/2021</a:t>
             </a:fld>
             <a:endParaRPr lang="en-US" dirty="0"/>
           </a:p>
@@ -2012,7 +2012,7 @@
           <a:p>
             <a:fld id="{1BA7A723-92A7-435B-B681-F25B092FEFEB}" type="datetimeFigureOut">
               <a:rPr lang="en-US" dirty="0"/>
-              <a:t>10/19/2020</a:t>
+              <a:t>10/18/2021</a:t>
             </a:fld>
             <a:endParaRPr lang="en-US" dirty="0"/>
           </a:p>
@@ -2130,7 +2130,7 @@
           <a:p>
             <a:fld id="{4F170639-886C-4FCF-9EAB-ABB5DA3F3F4A}" type="datetimeFigureOut">
               <a:rPr lang="en-US" dirty="0"/>
-              <a:t>10/19/2020</a:t>
+              <a:t>10/18/2021</a:t>
             </a:fld>
             <a:endParaRPr lang="en-US" dirty="0"/>
           </a:p>
@@ -2225,7 +2225,7 @@
           <a:p>
             <a:fld id="{22230651-31F4-45D2-98AE-A2108F41BC07}" type="datetimeFigureOut">
               <a:rPr lang="en-US" dirty="0"/>
-              <a:t>10/19/2020</a:t>
+              <a:t>10/18/2021</a:t>
             </a:fld>
             <a:endParaRPr lang="en-US" dirty="0"/>
           </a:p>
@@ -2512,7 +2512,7 @@
           <a:p>
             <a:fld id="{6F53789A-C914-4DB1-8815-80B5EC7335C5}" type="datetimeFigureOut">
               <a:rPr lang="en-US" dirty="0"/>
-              <a:t>10/19/2020</a:t>
+              <a:t>10/18/2021</a:t>
             </a:fld>
             <a:endParaRPr lang="en-US" dirty="0"/>
           </a:p>
@@ -2834,7 +2834,7 @@
           <a:p>
             <a:fld id="{5E6440AA-91A0-436F-8FDB-C0F939DCAE21}" type="datetimeFigureOut">
               <a:rPr lang="en-US" dirty="0"/>
-              <a:t>10/19/2020</a:t>
+              <a:t>10/18/2021</a:t>
             </a:fld>
             <a:endParaRPr lang="en-US" dirty="0"/>
           </a:p>
@@ -3088,7 +3088,7 @@
           <a:p>
             <a:fld id="{0E59FD0C-5451-4CA0-86AF-E70AE3279989}" type="datetimeFigureOut">
               <a:rPr lang="en-US" dirty="0"/>
-              <a:t>10/19/2020</a:t>
+              <a:t>10/18/2021</a:t>
             </a:fld>
             <a:endParaRPr lang="en-US" dirty="0"/>
           </a:p>
@@ -7096,7 +7096,7 @@
                 </a:solidFill>
                 <a:latin typeface="Verdana Pro Cond" panose="020B0606030504040204" pitchFamily="34" charset="0"/>
               </a:rPr>
-              <a:t>Serios vulnerabilities have been reported many times with container isolation mechanisms. There is always a risks of container escape vulnerability. This makes then less secure then virtual machines and not preferred approach for some use cases.</a:t>
+              <a:t>Serios vulnerabilities have been reported many times with container isolation mechanisms. There is always a risks of container escape vulnerability. This makes then less secure than virtual machines and not preferred approach for some use cases.</a:t>
             </a:r>
           </a:p>
         </p:txBody>
@@ -14036,8 +14036,13 @@
             </a:r>
             <a:r>
               <a:rPr lang="en-US" dirty="0"/>
-              <a:t> is a long running process that operates in the background</a:t>
-            </a:r>
+              <a:t> is a long running process that operates </a:t>
+            </a:r>
+            <a:r>
+              <a:rPr lang="en-US"/>
+              <a:t>in background</a:t>
+            </a:r>
+            <a:endParaRPr lang="en-US" dirty="0"/>
           </a:p>
           <a:p>
             <a:pPr lvl="1"/>
